--- a/Practical/Week 7 + 8/__xid-49189899_1.pptx
+++ b/Practical/Week 7 + 8/__xid-49189899_1.pptx
@@ -2,63 +2,63 @@
 <file path=ppt/presentation.xml><?xml version="1.0" encoding="utf-8"?>
 <p:presentation xmlns:a="http://schemas.openxmlformats.org/drawingml/2006/main" xmlns:r="http://schemas.openxmlformats.org/officeDocument/2006/relationships" xmlns:p="http://schemas.openxmlformats.org/presentationml/2006/main" saveSubsetFonts="1">
   <p:sldMasterIdLst>
-    <p:sldMasterId id="2147483686" r:id="rId1"/>
+    <p:sldMasterId id="2147483686" r:id="rId4"/>
   </p:sldMasterIdLst>
   <p:notesMasterIdLst>
-    <p:notesMasterId r:id="rId53"/>
+    <p:notesMasterId r:id="rId56"/>
   </p:notesMasterIdLst>
   <p:sldIdLst>
-    <p:sldId id="267" r:id="rId2"/>
-    <p:sldId id="309" r:id="rId3"/>
-    <p:sldId id="310" r:id="rId4"/>
-    <p:sldId id="385" r:id="rId5"/>
-    <p:sldId id="311" r:id="rId6"/>
-    <p:sldId id="312" r:id="rId7"/>
-    <p:sldId id="313" r:id="rId8"/>
-    <p:sldId id="314" r:id="rId9"/>
-    <p:sldId id="315" r:id="rId10"/>
-    <p:sldId id="316" r:id="rId11"/>
-    <p:sldId id="386" r:id="rId12"/>
-    <p:sldId id="317" r:id="rId13"/>
-    <p:sldId id="318" r:id="rId14"/>
-    <p:sldId id="319" r:id="rId15"/>
-    <p:sldId id="320" r:id="rId16"/>
-    <p:sldId id="321" r:id="rId17"/>
-    <p:sldId id="322" r:id="rId18"/>
-    <p:sldId id="324" r:id="rId19"/>
-    <p:sldId id="325" r:id="rId20"/>
-    <p:sldId id="326" r:id="rId21"/>
-    <p:sldId id="327" r:id="rId22"/>
-    <p:sldId id="328" r:id="rId23"/>
-    <p:sldId id="383" r:id="rId24"/>
-    <p:sldId id="329" r:id="rId25"/>
-    <p:sldId id="380" r:id="rId26"/>
-    <p:sldId id="381" r:id="rId27"/>
-    <p:sldId id="384" r:id="rId28"/>
-    <p:sldId id="366" r:id="rId29"/>
-    <p:sldId id="367" r:id="rId30"/>
-    <p:sldId id="368" r:id="rId31"/>
-    <p:sldId id="369" r:id="rId32"/>
-    <p:sldId id="370" r:id="rId33"/>
-    <p:sldId id="371" r:id="rId34"/>
-    <p:sldId id="372" r:id="rId35"/>
-    <p:sldId id="373" r:id="rId36"/>
-    <p:sldId id="361" r:id="rId37"/>
-    <p:sldId id="342" r:id="rId38"/>
-    <p:sldId id="343" r:id="rId39"/>
-    <p:sldId id="344" r:id="rId40"/>
-    <p:sldId id="378" r:id="rId41"/>
-    <p:sldId id="363" r:id="rId42"/>
-    <p:sldId id="379" r:id="rId43"/>
-    <p:sldId id="364" r:id="rId44"/>
-    <p:sldId id="376" r:id="rId45"/>
-    <p:sldId id="377" r:id="rId46"/>
-    <p:sldId id="365" r:id="rId47"/>
-    <p:sldId id="374" r:id="rId48"/>
-    <p:sldId id="375" r:id="rId49"/>
-    <p:sldId id="348" r:id="rId50"/>
-    <p:sldId id="350" r:id="rId51"/>
-    <p:sldId id="351" r:id="rId52"/>
+    <p:sldId id="267" r:id="rId5"/>
+    <p:sldId id="309" r:id="rId6"/>
+    <p:sldId id="310" r:id="rId7"/>
+    <p:sldId id="385" r:id="rId8"/>
+    <p:sldId id="311" r:id="rId9"/>
+    <p:sldId id="312" r:id="rId10"/>
+    <p:sldId id="313" r:id="rId11"/>
+    <p:sldId id="314" r:id="rId12"/>
+    <p:sldId id="315" r:id="rId13"/>
+    <p:sldId id="316" r:id="rId14"/>
+    <p:sldId id="386" r:id="rId15"/>
+    <p:sldId id="317" r:id="rId16"/>
+    <p:sldId id="318" r:id="rId17"/>
+    <p:sldId id="319" r:id="rId18"/>
+    <p:sldId id="320" r:id="rId19"/>
+    <p:sldId id="321" r:id="rId20"/>
+    <p:sldId id="322" r:id="rId21"/>
+    <p:sldId id="324" r:id="rId22"/>
+    <p:sldId id="325" r:id="rId23"/>
+    <p:sldId id="326" r:id="rId24"/>
+    <p:sldId id="327" r:id="rId25"/>
+    <p:sldId id="328" r:id="rId26"/>
+    <p:sldId id="383" r:id="rId27"/>
+    <p:sldId id="329" r:id="rId28"/>
+    <p:sldId id="380" r:id="rId29"/>
+    <p:sldId id="381" r:id="rId30"/>
+    <p:sldId id="384" r:id="rId31"/>
+    <p:sldId id="366" r:id="rId32"/>
+    <p:sldId id="367" r:id="rId33"/>
+    <p:sldId id="368" r:id="rId34"/>
+    <p:sldId id="369" r:id="rId35"/>
+    <p:sldId id="370" r:id="rId36"/>
+    <p:sldId id="371" r:id="rId37"/>
+    <p:sldId id="372" r:id="rId38"/>
+    <p:sldId id="373" r:id="rId39"/>
+    <p:sldId id="361" r:id="rId40"/>
+    <p:sldId id="342" r:id="rId41"/>
+    <p:sldId id="343" r:id="rId42"/>
+    <p:sldId id="344" r:id="rId43"/>
+    <p:sldId id="378" r:id="rId44"/>
+    <p:sldId id="363" r:id="rId45"/>
+    <p:sldId id="379" r:id="rId46"/>
+    <p:sldId id="364" r:id="rId47"/>
+    <p:sldId id="376" r:id="rId48"/>
+    <p:sldId id="377" r:id="rId49"/>
+    <p:sldId id="365" r:id="rId50"/>
+    <p:sldId id="374" r:id="rId51"/>
+    <p:sldId id="375" r:id="rId52"/>
+    <p:sldId id="348" r:id="rId53"/>
+    <p:sldId id="350" r:id="rId54"/>
+    <p:sldId id="351" r:id="rId55"/>
   </p:sldIdLst>
   <p:sldSz cx="12192000" cy="6858000"/>
   <p:notesSz cx="6858000" cy="9144000"/>
@@ -258,7 +258,7 @@
           <a:p>
             <a:fld id="{9A8EDE78-D8D4-4F8A-B846-5C1CFBB4AE70}" type="datetimeFigureOut">
               <a:rPr lang="en-SG" smtClean="0"/>
-              <a:t>1/6/2020</a:t>
+              <a:t>17/7/2024</a:t>
             </a:fld>
             <a:endParaRPr lang="en-SG"/>
           </a:p>
@@ -1434,7 +1434,7 @@
           <a:p>
             <a:fld id="{A123F12B-04A2-46C6-BFD2-D7C06943979A}" type="datetimeFigureOut">
               <a:rPr lang="en-SG" smtClean="0"/>
-              <a:t>1/6/2020</a:t>
+              <a:t>17/7/2024</a:t>
             </a:fld>
             <a:endParaRPr lang="en-SG"/>
           </a:p>
@@ -1639,7 +1639,7 @@
           <a:p>
             <a:fld id="{A123F12B-04A2-46C6-BFD2-D7C06943979A}" type="datetimeFigureOut">
               <a:rPr lang="en-SG" smtClean="0"/>
-              <a:t>1/6/2020</a:t>
+              <a:t>17/7/2024</a:t>
             </a:fld>
             <a:endParaRPr lang="en-SG"/>
           </a:p>
@@ -1819,7 +1819,7 @@
           <a:p>
             <a:fld id="{A123F12B-04A2-46C6-BFD2-D7C06943979A}" type="datetimeFigureOut">
               <a:rPr lang="en-SG" smtClean="0"/>
-              <a:t>1/6/2020</a:t>
+              <a:t>17/7/2024</a:t>
             </a:fld>
             <a:endParaRPr lang="en-SG"/>
           </a:p>
@@ -2024,7 +2024,7 @@
           <a:p>
             <a:fld id="{A123F12B-04A2-46C6-BFD2-D7C06943979A}" type="datetimeFigureOut">
               <a:rPr lang="en-SG" smtClean="0"/>
-              <a:t>1/6/2020</a:t>
+              <a:t>17/7/2024</a:t>
             </a:fld>
             <a:endParaRPr lang="en-SG"/>
           </a:p>
@@ -2319,7 +2319,7 @@
           <a:p>
             <a:fld id="{A123F12B-04A2-46C6-BFD2-D7C06943979A}" type="datetimeFigureOut">
               <a:rPr lang="en-SG" smtClean="0"/>
-              <a:t>1/6/2020</a:t>
+              <a:t>17/7/2024</a:t>
             </a:fld>
             <a:endParaRPr lang="en-SG"/>
           </a:p>
@@ -2591,7 +2591,7 @@
           <a:p>
             <a:fld id="{A123F12B-04A2-46C6-BFD2-D7C06943979A}" type="datetimeFigureOut">
               <a:rPr lang="en-SG" smtClean="0"/>
-              <a:t>1/6/2020</a:t>
+              <a:t>17/7/2024</a:t>
             </a:fld>
             <a:endParaRPr lang="en-SG"/>
           </a:p>
@@ -2998,7 +2998,7 @@
           <a:p>
             <a:fld id="{A123F12B-04A2-46C6-BFD2-D7C06943979A}" type="datetimeFigureOut">
               <a:rPr lang="en-SG" smtClean="0"/>
-              <a:t>1/6/2020</a:t>
+              <a:t>17/7/2024</a:t>
             </a:fld>
             <a:endParaRPr lang="en-SG"/>
           </a:p>
@@ -3116,7 +3116,7 @@
           <a:p>
             <a:fld id="{A123F12B-04A2-46C6-BFD2-D7C06943979A}" type="datetimeFigureOut">
               <a:rPr lang="en-SG" smtClean="0"/>
-              <a:t>1/6/2020</a:t>
+              <a:t>17/7/2024</a:t>
             </a:fld>
             <a:endParaRPr lang="en-SG"/>
           </a:p>
@@ -3211,7 +3211,7 @@
           <a:p>
             <a:fld id="{A123F12B-04A2-46C6-BFD2-D7C06943979A}" type="datetimeFigureOut">
               <a:rPr lang="en-SG" smtClean="0"/>
-              <a:t>1/6/2020</a:t>
+              <a:t>17/7/2024</a:t>
             </a:fld>
             <a:endParaRPr lang="en-SG"/>
           </a:p>
@@ -3501,7 +3501,7 @@
           <a:p>
             <a:fld id="{A123F12B-04A2-46C6-BFD2-D7C06943979A}" type="datetimeFigureOut">
               <a:rPr lang="en-SG" smtClean="0"/>
-              <a:t>1/6/2020</a:t>
+              <a:t>17/7/2024</a:t>
             </a:fld>
             <a:endParaRPr lang="en-SG"/>
           </a:p>
@@ -3781,7 +3781,7 @@
           <a:p>
             <a:fld id="{A123F12B-04A2-46C6-BFD2-D7C06943979A}" type="datetimeFigureOut">
               <a:rPr lang="en-SG" smtClean="0"/>
-              <a:t>1/6/2020</a:t>
+              <a:t>17/7/2024</a:t>
             </a:fld>
             <a:endParaRPr lang="en-SG"/>
           </a:p>
@@ -4031,7 +4031,7 @@
           <a:p>
             <a:fld id="{A123F12B-04A2-46C6-BFD2-D7C06943979A}" type="datetimeFigureOut">
               <a:rPr lang="en-SG" smtClean="0"/>
-              <a:t>1/6/2020</a:t>
+              <a:t>17/7/2024</a:t>
             </a:fld>
             <a:endParaRPr lang="en-SG"/>
           </a:p>
@@ -10955,7 +10955,7 @@
 </file>
 
 <file path=ppt/slides/slide28.xml><?xml version="1.0" encoding="utf-8"?>
-<p:sld xmlns:a="http://schemas.openxmlformats.org/drawingml/2006/main" xmlns:r="http://schemas.openxmlformats.org/officeDocument/2006/relationships" xmlns:p="http://schemas.openxmlformats.org/presentationml/2006/main" show="0">
+<p:sld xmlns:a="http://schemas.openxmlformats.org/drawingml/2006/main" xmlns:r="http://schemas.openxmlformats.org/officeDocument/2006/relationships" xmlns:p="http://schemas.openxmlformats.org/presentationml/2006/main">
   <p:cSld>
     <p:spTree>
       <p:nvGrpSpPr>
@@ -11665,7 +11665,7 @@
 </file>
 
 <file path=ppt/slides/slide29.xml><?xml version="1.0" encoding="utf-8"?>
-<p:sld xmlns:a="http://schemas.openxmlformats.org/drawingml/2006/main" xmlns:r="http://schemas.openxmlformats.org/officeDocument/2006/relationships" xmlns:p="http://schemas.openxmlformats.org/presentationml/2006/main" show="0">
+<p:sld xmlns:a="http://schemas.openxmlformats.org/drawingml/2006/main" xmlns:r="http://schemas.openxmlformats.org/officeDocument/2006/relationships" xmlns:p="http://schemas.openxmlformats.org/presentationml/2006/main">
   <p:cSld>
     <p:spTree>
       <p:nvGrpSpPr>
@@ -12958,7 +12958,7 @@
 </file>
 
 <file path=ppt/slides/slide30.xml><?xml version="1.0" encoding="utf-8"?>
-<p:sld xmlns:a="http://schemas.openxmlformats.org/drawingml/2006/main" xmlns:r="http://schemas.openxmlformats.org/officeDocument/2006/relationships" xmlns:p="http://schemas.openxmlformats.org/presentationml/2006/main" show="0">
+<p:sld xmlns:a="http://schemas.openxmlformats.org/drawingml/2006/main" xmlns:r="http://schemas.openxmlformats.org/officeDocument/2006/relationships" xmlns:p="http://schemas.openxmlformats.org/presentationml/2006/main">
   <p:cSld>
     <p:spTree>
       <p:nvGrpSpPr>
@@ -13389,7 +13389,7 @@
 </file>
 
 <file path=ppt/slides/slide31.xml><?xml version="1.0" encoding="utf-8"?>
-<p:sld xmlns:a="http://schemas.openxmlformats.org/drawingml/2006/main" xmlns:r="http://schemas.openxmlformats.org/officeDocument/2006/relationships" xmlns:p="http://schemas.openxmlformats.org/presentationml/2006/main" show="0">
+<p:sld xmlns:a="http://schemas.openxmlformats.org/drawingml/2006/main" xmlns:r="http://schemas.openxmlformats.org/officeDocument/2006/relationships" xmlns:p="http://schemas.openxmlformats.org/presentationml/2006/main">
   <p:cSld>
     <p:spTree>
       <p:nvGrpSpPr>
@@ -13664,7 +13664,7 @@
 </file>
 
 <file path=ppt/slides/slide32.xml><?xml version="1.0" encoding="utf-8"?>
-<p:sld xmlns:a="http://schemas.openxmlformats.org/drawingml/2006/main" xmlns:r="http://schemas.openxmlformats.org/officeDocument/2006/relationships" xmlns:p="http://schemas.openxmlformats.org/presentationml/2006/main" show="0">
+<p:sld xmlns:a="http://schemas.openxmlformats.org/drawingml/2006/main" xmlns:r="http://schemas.openxmlformats.org/officeDocument/2006/relationships" xmlns:p="http://schemas.openxmlformats.org/presentationml/2006/main">
   <p:cSld>
     <p:spTree>
       <p:nvGrpSpPr>
@@ -14063,7 +14063,7 @@
 </file>
 
 <file path=ppt/slides/slide33.xml><?xml version="1.0" encoding="utf-8"?>
-<p:sld xmlns:a="http://schemas.openxmlformats.org/drawingml/2006/main" xmlns:r="http://schemas.openxmlformats.org/officeDocument/2006/relationships" xmlns:p="http://schemas.openxmlformats.org/presentationml/2006/main" show="0">
+<p:sld xmlns:a="http://schemas.openxmlformats.org/drawingml/2006/main" xmlns:r="http://schemas.openxmlformats.org/officeDocument/2006/relationships" xmlns:p="http://schemas.openxmlformats.org/presentationml/2006/main">
   <p:cSld>
     <p:spTree>
       <p:nvGrpSpPr>
@@ -14670,7 +14670,7 @@
 </file>
 
 <file path=ppt/slides/slide34.xml><?xml version="1.0" encoding="utf-8"?>
-<p:sld xmlns:a="http://schemas.openxmlformats.org/drawingml/2006/main" xmlns:r="http://schemas.openxmlformats.org/officeDocument/2006/relationships" xmlns:p="http://schemas.openxmlformats.org/presentationml/2006/main" show="0">
+<p:sld xmlns:a="http://schemas.openxmlformats.org/drawingml/2006/main" xmlns:r="http://schemas.openxmlformats.org/officeDocument/2006/relationships" xmlns:p="http://schemas.openxmlformats.org/presentationml/2006/main">
   <p:cSld>
     <p:spTree>
       <p:nvGrpSpPr>
@@ -14906,7 +14906,7 @@
 </file>
 
 <file path=ppt/slides/slide35.xml><?xml version="1.0" encoding="utf-8"?>
-<p:sld xmlns:a="http://schemas.openxmlformats.org/drawingml/2006/main" xmlns:r="http://schemas.openxmlformats.org/officeDocument/2006/relationships" xmlns:p="http://schemas.openxmlformats.org/presentationml/2006/main" show="0">
+<p:sld xmlns:a="http://schemas.openxmlformats.org/drawingml/2006/main" xmlns:r="http://schemas.openxmlformats.org/officeDocument/2006/relationships" xmlns:p="http://schemas.openxmlformats.org/presentationml/2006/main">
   <p:cSld>
     <p:spTree>
       <p:nvGrpSpPr>
@@ -23995,13 +23995,40 @@
 </file>
 
 <file path=customXml/itemProps1.xml><?xml version="1.0" encoding="utf-8"?>
-<ds:datastoreItem xmlns:ds="http://schemas.openxmlformats.org/officeDocument/2006/customXml" ds:itemID="{CCA9D35C-19BE-4EE4-9C4B-0F11FE87DA41}"/>
+<ds:datastoreItem xmlns:ds="http://schemas.openxmlformats.org/officeDocument/2006/customXml" ds:itemID="{CCA9D35C-19BE-4EE4-9C4B-0F11FE87DA41}">
+  <ds:schemaRefs>
+    <ds:schemaRef ds:uri="http://schemas.microsoft.com/office/2006/metadata/contentType"/>
+    <ds:schemaRef ds:uri="http://schemas.microsoft.com/office/2006/metadata/properties/metaAttributes"/>
+    <ds:schemaRef ds:uri="http://www.w3.org/2001/XMLSchema"/>
+    <ds:schemaRef ds:uri="http://schemas.microsoft.com/office/2006/metadata/properties"/>
+    <ds:schemaRef ds:uri="http://schemas.microsoft.com/sharepoint/v3"/>
+    <ds:schemaRef ds:uri="bcaf11b6-d7d7-4cf4-aa30-f11e767a1514"/>
+    <ds:schemaRef ds:uri="b88c6a22-f980-423d-98c5-4bae664910af"/>
+    <ds:schemaRef ds:uri="http://schemas.microsoft.com/office/2006/documentManagement/types"/>
+    <ds:schemaRef ds:uri="http://schemas.microsoft.com/office/infopath/2007/PartnerControls"/>
+    <ds:schemaRef ds:uri="http://schemas.openxmlformats.org/package/2006/metadata/core-properties"/>
+    <ds:schemaRef ds:uri="http://purl.org/dc/elements/1.1/"/>
+    <ds:schemaRef ds:uri="http://purl.org/dc/terms/"/>
+    <ds:schemaRef ds:uri="http://schemas.microsoft.com/internal/obd"/>
+  </ds:schemaRefs>
+</ds:datastoreItem>
 </file>
 
 <file path=customXml/itemProps2.xml><?xml version="1.0" encoding="utf-8"?>
-<ds:datastoreItem xmlns:ds="http://schemas.openxmlformats.org/officeDocument/2006/customXml" ds:itemID="{5543F6AD-C5D6-4357-B9CF-77E1CCF78BDD}"/>
+<ds:datastoreItem xmlns:ds="http://schemas.openxmlformats.org/officeDocument/2006/customXml" ds:itemID="{5543F6AD-C5D6-4357-B9CF-77E1CCF78BDD}">
+  <ds:schemaRefs>
+    <ds:schemaRef ds:uri="http://schemas.microsoft.com/sharepoint/v3/contenttype/forms"/>
+  </ds:schemaRefs>
+</ds:datastoreItem>
 </file>
 
 <file path=customXml/itemProps3.xml><?xml version="1.0" encoding="utf-8"?>
-<ds:datastoreItem xmlns:ds="http://schemas.openxmlformats.org/officeDocument/2006/customXml" ds:itemID="{0E42E326-877F-42A4-A07A-CC14B966F9E0}"/>
+<ds:datastoreItem xmlns:ds="http://schemas.openxmlformats.org/officeDocument/2006/customXml" ds:itemID="{0E42E326-877F-42A4-A07A-CC14B966F9E0}">
+  <ds:schemaRefs>
+    <ds:schemaRef ds:uri="http://schemas.microsoft.com/office/2006/metadata/properties"/>
+    <ds:schemaRef ds:uri="http://schemas.microsoft.com/office/infopath/2007/PartnerControls"/>
+    <ds:schemaRef ds:uri="b88c6a22-f980-423d-98c5-4bae664910af"/>
+    <ds:schemaRef ds:uri="http://schemas.microsoft.com/sharepoint/v3"/>
+  </ds:schemaRefs>
+</ds:datastoreItem>
 </file>